--- a/notes/csc493-ln013.pptx
+++ b/notes/csc493-ln013.pptx
@@ -5,10 +5,10 @@
     <p:sldMasterId id="2147483651" r:id="rId1"/>
   </p:sldMasterIdLst>
   <p:notesMasterIdLst>
-    <p:notesMasterId r:id="rId13"/>
+    <p:notesMasterId r:id="rId14"/>
   </p:notesMasterIdLst>
   <p:handoutMasterIdLst>
-    <p:handoutMasterId r:id="rId14"/>
+    <p:handoutMasterId r:id="rId15"/>
   </p:handoutMasterIdLst>
   <p:sldIdLst>
     <p:sldId id="267" r:id="rId2"/>
@@ -21,7 +21,8 @@
     <p:sldId id="274" r:id="rId9"/>
     <p:sldId id="275" r:id="rId10"/>
     <p:sldId id="276" r:id="rId11"/>
-    <p:sldId id="277" r:id="rId12"/>
+    <p:sldId id="278" r:id="rId12"/>
+    <p:sldId id="277" r:id="rId13"/>
   </p:sldIdLst>
   <p:sldSz cx="9144000" cy="6858000" type="screen4x3"/>
   <p:notesSz cx="6856413" cy="9083675"/>
@@ -5749,6 +5750,322 @@
           <p:cNvPr id="2" name="Title 1">
             <a:extLst>
               <a:ext uri="{FF2B5EF4-FFF2-40B4-BE49-F238E27FC236}">
+                <a16:creationId xmlns:a16="http://schemas.microsoft.com/office/drawing/2014/main" id="{C03C4E1E-0032-CE4B-AFA3-66A30A50B5E3}"/>
+              </a:ext>
+            </a:extLst>
+          </p:cNvPr>
+          <p:cNvSpPr>
+            <a:spLocks noGrp="1"/>
+          </p:cNvSpPr>
+          <p:nvPr>
+            <p:ph type="title"/>
+          </p:nvPr>
+        </p:nvSpPr>
+        <p:spPr/>
+        <p:txBody>
+          <a:bodyPr/>
+          <a:lstStyle/>
+          <a:p>
+            <a:r>
+              <a:rPr lang="en-US" dirty="0"/>
+              <a:t>Currying of more than Two Arguments</a:t>
+            </a:r>
+          </a:p>
+        </p:txBody>
+      </p:sp>
+      <p:sp>
+        <p:nvSpPr>
+          <p:cNvPr id="3" name="Content Placeholder 2">
+            <a:extLst>
+              <a:ext uri="{FF2B5EF4-FFF2-40B4-BE49-F238E27FC236}">
+                <a16:creationId xmlns:a16="http://schemas.microsoft.com/office/drawing/2014/main" id="{F62EC3C8-3CFE-1446-9A9F-CFDC4CDA4EA4}"/>
+              </a:ext>
+            </a:extLst>
+          </p:cNvPr>
+          <p:cNvSpPr>
+            <a:spLocks noGrp="1"/>
+          </p:cNvSpPr>
+          <p:nvPr>
+            <p:ph idx="1"/>
+          </p:nvPr>
+        </p:nvSpPr>
+        <p:spPr>
+          <a:xfrm>
+            <a:off x="1524000" y="1905000"/>
+            <a:ext cx="7010400" cy="1295400"/>
+          </a:xfrm>
+        </p:spPr>
+        <p:txBody>
+          <a:bodyPr/>
+          <a:lstStyle/>
+          <a:p>
+            <a:r>
+              <a:rPr lang="en-US" dirty="0"/>
+              <a:t>The return value is a cascade of lambda functions</a:t>
+            </a:r>
+          </a:p>
+        </p:txBody>
+      </p:sp>
+      <p:pic>
+        <p:nvPicPr>
+          <p:cNvPr id="4" name="Picture 3">
+            <a:extLst>
+              <a:ext uri="{FF2B5EF4-FFF2-40B4-BE49-F238E27FC236}">
+                <a16:creationId xmlns:a16="http://schemas.microsoft.com/office/drawing/2014/main" id="{F2D09C9F-FD71-394E-8870-3C14EBD255E9}"/>
+              </a:ext>
+            </a:extLst>
+          </p:cNvPr>
+          <p:cNvPicPr>
+            <a:picLocks noChangeAspect="1"/>
+          </p:cNvPicPr>
+          <p:nvPr/>
+        </p:nvPicPr>
+        <p:blipFill>
+          <a:blip r:embed="rId2"/>
+          <a:stretch>
+            <a:fillRect/>
+          </a:stretch>
+        </p:blipFill>
+        <p:spPr>
+          <a:xfrm>
+            <a:off x="635000" y="3657600"/>
+            <a:ext cx="3556000" cy="1270000"/>
+          </a:xfrm>
+          <a:prstGeom prst="rect">
+            <a:avLst/>
+          </a:prstGeom>
+          <a:ln>
+            <a:solidFill>
+              <a:schemeClr val="tx1"/>
+            </a:solidFill>
+          </a:ln>
+        </p:spPr>
+      </p:pic>
+      <p:pic>
+        <p:nvPicPr>
+          <p:cNvPr id="5" name="Picture 4">
+            <a:extLst>
+              <a:ext uri="{FF2B5EF4-FFF2-40B4-BE49-F238E27FC236}">
+                <a16:creationId xmlns:a16="http://schemas.microsoft.com/office/drawing/2014/main" id="{5F30A102-F6C5-5B4B-BE99-1CB7DD48032F}"/>
+              </a:ext>
+            </a:extLst>
+          </p:cNvPr>
+          <p:cNvPicPr>
+            <a:picLocks noChangeAspect="1"/>
+          </p:cNvPicPr>
+          <p:nvPr/>
+        </p:nvPicPr>
+        <p:blipFill>
+          <a:blip r:embed="rId3"/>
+          <a:stretch>
+            <a:fillRect/>
+          </a:stretch>
+        </p:blipFill>
+        <p:spPr>
+          <a:xfrm>
+            <a:off x="4572000" y="4800600"/>
+            <a:ext cx="3784600" cy="1473200"/>
+          </a:xfrm>
+          <a:prstGeom prst="rect">
+            <a:avLst/>
+          </a:prstGeom>
+          <a:ln>
+            <a:solidFill>
+              <a:schemeClr val="tx1"/>
+            </a:solidFill>
+          </a:ln>
+        </p:spPr>
+      </p:pic>
+      <p:sp>
+        <p:nvSpPr>
+          <p:cNvPr id="6" name="Bent-Up Arrow 5">
+            <a:extLst>
+              <a:ext uri="{FF2B5EF4-FFF2-40B4-BE49-F238E27FC236}">
+                <a16:creationId xmlns:a16="http://schemas.microsoft.com/office/drawing/2014/main" id="{158720B0-E7B8-1742-81DE-EF35A6F75BC8}"/>
+              </a:ext>
+            </a:extLst>
+          </p:cNvPr>
+          <p:cNvSpPr/>
+          <p:nvPr/>
+        </p:nvSpPr>
+        <p:spPr bwMode="auto">
+          <a:xfrm flipV="1">
+            <a:off x="4572000" y="4038600"/>
+            <a:ext cx="457200" cy="381000"/>
+          </a:xfrm>
+          <a:prstGeom prst="bentUpArrow">
+            <a:avLst/>
+          </a:prstGeom>
+          <a:solidFill>
+            <a:srgbClr val="FF0000"/>
+          </a:solidFill>
+          <a:ln w="9525" cap="flat" cmpd="sng" algn="ctr">
+            <a:solidFill>
+              <a:schemeClr val="tx1"/>
+            </a:solidFill>
+            <a:prstDash val="solid"/>
+            <a:round/>
+            <a:headEnd type="none" w="med" len="med"/>
+            <a:tailEnd type="none" w="med" len="med"/>
+          </a:ln>
+          <a:effectLst/>
+          <a:extLst>
+            <a:ext uri="{AF507438-7753-43e0-B8FC-AC1667EBCBE1}">
+              <a14:hiddenEffects xmlns:a14="http://schemas.microsoft.com/office/drawing/2010/main" xmlns="">
+                <a:effectLst>
+                  <a:outerShdw blurRad="63500" dist="38099" dir="2700000" algn="ctr" rotWithShape="0">
+                    <a:schemeClr val="bg2">
+                      <a:alpha val="74998"/>
+                    </a:schemeClr>
+                  </a:outerShdw>
+                </a:effectLst>
+              </a14:hiddenEffects>
+            </a:ext>
+          </a:extLst>
+        </p:spPr>
+        <p:txBody>
+          <a:bodyPr vert="horz" wrap="square" lIns="91440" tIns="45720" rIns="91440" bIns="45720" numCol="1" rtlCol="0" anchor="t" anchorCtr="0" compatLnSpc="1">
+            <a:prstTxWarp prst="textNoShape">
+              <a:avLst/>
+            </a:prstTxWarp>
+          </a:bodyPr>
+          <a:lstStyle/>
+          <a:p>
+            <a:pPr marL="0" marR="0" indent="0" algn="l" defTabSz="914400" rtl="0" eaLnBrk="0" fontAlgn="base" latinLnBrk="0" hangingPunct="0">
+              <a:lnSpc>
+                <a:spcPct val="100000"/>
+              </a:lnSpc>
+              <a:spcBef>
+                <a:spcPct val="0"/>
+              </a:spcBef>
+              <a:spcAft>
+                <a:spcPct val="0"/>
+              </a:spcAft>
+              <a:buClrTx/>
+              <a:buSzTx/>
+              <a:buFontTx/>
+              <a:buNone/>
+              <a:tabLst/>
+            </a:pPr>
+            <a:endParaRPr kumimoji="0" lang="en-US" sz="1600" b="0" i="0" u="none" strike="noStrike" cap="none" normalizeH="0" baseline="0">
+              <a:ln>
+                <a:noFill/>
+              </a:ln>
+              <a:solidFill>
+                <a:srgbClr val="000000"/>
+              </a:solidFill>
+              <a:effectLst/>
+              <a:latin typeface="Arial" charset="0"/>
+              <a:ea typeface="ＭＳ Ｐゴシック" charset="0"/>
+            </a:endParaRPr>
+          </a:p>
+        </p:txBody>
+      </p:sp>
+      <p:sp>
+        <p:nvSpPr>
+          <p:cNvPr id="7" name="TextBox 6">
+            <a:extLst>
+              <a:ext uri="{FF2B5EF4-FFF2-40B4-BE49-F238E27FC236}">
+                <a16:creationId xmlns:a16="http://schemas.microsoft.com/office/drawing/2014/main" id="{22AF0EA2-DDE9-7345-A7EC-AD10AB3378F1}"/>
+              </a:ext>
+            </a:extLst>
+          </p:cNvPr>
+          <p:cNvSpPr txBox="1"/>
+          <p:nvPr/>
+        </p:nvSpPr>
+        <p:spPr>
+          <a:xfrm>
+            <a:off x="1430215" y="5134708"/>
+            <a:ext cx="1358064" cy="307777"/>
+          </a:xfrm>
+          <a:prstGeom prst="rect">
+            <a:avLst/>
+          </a:prstGeom>
+          <a:noFill/>
+        </p:spPr>
+        <p:txBody>
+          <a:bodyPr wrap="none" rtlCol="0">
+            <a:spAutoFit/>
+          </a:bodyPr>
+          <a:lstStyle/>
+          <a:p>
+            <a:r>
+              <a:rPr lang="en-US" sz="1400" dirty="0"/>
+              <a:t>ln013/add3.ast</a:t>
+            </a:r>
+          </a:p>
+        </p:txBody>
+      </p:sp>
+      <p:sp>
+        <p:nvSpPr>
+          <p:cNvPr id="8" name="TextBox 7">
+            <a:extLst>
+              <a:ext uri="{FF2B5EF4-FFF2-40B4-BE49-F238E27FC236}">
+                <a16:creationId xmlns:a16="http://schemas.microsoft.com/office/drawing/2014/main" id="{12571EF4-2C77-6B4A-AB83-57281EFEFF1B}"/>
+              </a:ext>
+            </a:extLst>
+          </p:cNvPr>
+          <p:cNvSpPr txBox="1"/>
+          <p:nvPr/>
+        </p:nvSpPr>
+        <p:spPr>
+          <a:xfrm>
+            <a:off x="4783015" y="6372934"/>
+            <a:ext cx="1655966" cy="307777"/>
+          </a:xfrm>
+          <a:prstGeom prst="rect">
+            <a:avLst/>
+          </a:prstGeom>
+          <a:noFill/>
+        </p:spPr>
+        <p:txBody>
+          <a:bodyPr wrap="none" rtlCol="0">
+            <a:spAutoFit/>
+          </a:bodyPr>
+          <a:lstStyle/>
+          <a:p>
+            <a:r>
+              <a:rPr lang="en-US" sz="1400" dirty="0"/>
+              <a:t>ln013/add3curr.ast</a:t>
+            </a:r>
+          </a:p>
+        </p:txBody>
+      </p:sp>
+    </p:spTree>
+    <p:extLst>
+      <p:ext uri="{BB962C8B-B14F-4D97-AF65-F5344CB8AC3E}">
+        <p14:creationId xmlns:p14="http://schemas.microsoft.com/office/powerpoint/2010/main" val="2917674049"/>
+      </p:ext>
+    </p:extLst>
+  </p:cSld>
+  <p:clrMapOvr>
+    <a:masterClrMapping/>
+  </p:clrMapOvr>
+</p:sld>
+</file>
+
+<file path=ppt/slides/slide12.xml><?xml version="1.0" encoding="utf-8"?>
+<p:sld xmlns:a="http://schemas.openxmlformats.org/drawingml/2006/main" xmlns:r="http://schemas.openxmlformats.org/officeDocument/2006/relationships" xmlns:p="http://schemas.openxmlformats.org/presentationml/2006/main">
+  <p:cSld>
+    <p:spTree>
+      <p:nvGrpSpPr>
+        <p:cNvPr id="1" name=""/>
+        <p:cNvGrpSpPr/>
+        <p:nvPr/>
+      </p:nvGrpSpPr>
+      <p:grpSpPr>
+        <a:xfrm>
+          <a:off x="0" y="0"/>
+          <a:ext cx="0" cy="0"/>
+          <a:chOff x="0" y="0"/>
+          <a:chExt cx="0" cy="0"/>
+        </a:xfrm>
+      </p:grpSpPr>
+      <p:sp>
+        <p:nvSpPr>
+          <p:cNvPr id="2" name="Title 1">
+            <a:extLst>
+              <a:ext uri="{FF2B5EF4-FFF2-40B4-BE49-F238E27FC236}">
                 <a16:creationId xmlns:a16="http://schemas.microsoft.com/office/drawing/2014/main" id="{5F0EFAC8-6BD4-D845-9362-717A60178C47}"/>
               </a:ext>
             </a:extLst>
@@ -5808,13 +6125,8 @@
             <a:pPr lvl="1"/>
             <a:r>
               <a:rPr lang="en-US" dirty="0"/>
-              <a:t>Python, Rust, Swift, Go</a:t>
-            </a:r>
-            <a:r>
-              <a:rPr lang="en-US"/>
-              <a:t>, Asteroid,…</a:t>
-            </a:r>
-            <a:endParaRPr lang="en-US" dirty="0"/>
+              <a:t>Python, Rust, Swift, Go, Asteroid,…</a:t>
+            </a:r>
           </a:p>
         </p:txBody>
       </p:sp>

--- a/notes/csc493-ln013.pptx
+++ b/notes/csc493-ln013.pptx
@@ -8676,7 +8676,15 @@
           <a:p>
             <a:r>
               <a:rPr lang="en-US" dirty="0"/>
-              <a:t>He developed this technique while working combinatory logic.</a:t>
+              <a:t>He developed this technique while </a:t>
+            </a:r>
+            <a:r>
+              <a:rPr lang="en-US"/>
+              <a:t>working on combinatory </a:t>
+            </a:r>
+            <a:r>
+              <a:rPr lang="en-US" dirty="0"/>
+              <a:t>logic.</a:t>
             </a:r>
           </a:p>
         </p:txBody>
